--- a/docs/efe.pptx
+++ b/docs/efe.pptx
@@ -13,9 +13,8 @@
     <p:sldId id="261" r:id="rId7"/>
     <p:sldId id="262" r:id="rId8"/>
     <p:sldId id="263" r:id="rId9"/>
-    <p:sldId id="264" r:id="rId10"/>
-    <p:sldId id="265" r:id="rId11"/>
-    <p:sldId id="266" r:id="rId12"/>
+    <p:sldId id="265" r:id="rId10"/>
+    <p:sldId id="266" r:id="rId11"/>
   </p:sldIdLst>
   <p:sldSz cx="12192000" cy="6858000"/>
   <p:notesSz cx="6858000" cy="9144000"/>
@@ -114,6 +113,11 @@
       </a:defRPr>
     </a:lvl9pPr>
   </p:defaultTextStyle>
+  <p:extLst>
+    <p:ext uri="{EFAFB233-063F-42B5-8137-9DF3F51BA10A}">
+      <p15:sldGuideLst xmlns:p15="http://schemas.microsoft.com/office/powerpoint/2012/main"/>
+    </p:ext>
+  </p:extLst>
 </p:presentation>
 </file>
 
@@ -699,7 +703,7 @@
           </a:lstStyle>
           <a:p>
             <a:r>
-              <a:rPr lang="en-US" smtClean="0"/>
+              <a:rPr lang="en-US"/>
               <a:t>Click to edit Master title style</a:t>
             </a:r>
             <a:endParaRPr lang="en-US" dirty="0"/>
@@ -819,7 +823,7 @@
           </a:lstStyle>
           <a:p>
             <a:r>
-              <a:rPr lang="en-US" smtClean="0"/>
+              <a:rPr lang="en-US"/>
               <a:t>Click to edit Master subtitle style</a:t>
             </a:r>
             <a:endParaRPr lang="en-US" dirty="0"/>
@@ -843,7 +847,7 @@
           <a:p>
             <a:fld id="{72B2CC4D-9F14-4B08-B515-ED3015F7E0D9}" type="datetimeFigureOut">
               <a:rPr lang="en-GB" smtClean="0"/>
-              <a:t>13/08/2019</a:t>
+              <a:t>30/08/2019</a:t>
             </a:fld>
             <a:endParaRPr lang="en-GB"/>
           </a:p>
@@ -948,7 +952,7 @@
           </a:lstStyle>
           <a:p>
             <a:r>
-              <a:rPr lang="en-US" smtClean="0"/>
+              <a:rPr lang="en-US"/>
               <a:t>Click to edit Master title style</a:t>
             </a:r>
             <a:endParaRPr lang="en-US" dirty="0"/>
@@ -1071,7 +1075,7 @@
           <a:p>
             <a:pPr lvl="0"/>
             <a:r>
-              <a:rPr lang="en-US" smtClean="0"/>
+              <a:rPr lang="en-US"/>
               <a:t>Click to edit Master text styles</a:t>
             </a:r>
           </a:p>
@@ -1094,7 +1098,7 @@
           <a:p>
             <a:fld id="{72B2CC4D-9F14-4B08-B515-ED3015F7E0D9}" type="datetimeFigureOut">
               <a:rPr lang="en-GB" smtClean="0"/>
-              <a:t>13/08/2019</a:t>
+              <a:t>30/08/2019</a:t>
             </a:fld>
             <a:endParaRPr lang="en-GB"/>
           </a:p>
@@ -1199,7 +1203,7 @@
           </a:lstStyle>
           <a:p>
             <a:r>
-              <a:rPr lang="en-US" smtClean="0"/>
+              <a:rPr lang="en-US"/>
               <a:t>Click to edit Master title style</a:t>
             </a:r>
             <a:endParaRPr lang="en-US" dirty="0"/>
@@ -1263,7 +1267,7 @@
           <a:p>
             <a:pPr lvl="0"/>
             <a:r>
-              <a:rPr lang="en-US" smtClean="0"/>
+              <a:rPr lang="en-US"/>
               <a:t>Click to edit Master text styles</a:t>
             </a:r>
           </a:p>
@@ -1385,7 +1389,7 @@
           <a:p>
             <a:pPr lvl="0"/>
             <a:r>
-              <a:rPr lang="en-US" smtClean="0"/>
+              <a:rPr lang="en-US"/>
               <a:t>Click to edit Master text styles</a:t>
             </a:r>
           </a:p>
@@ -1408,7 +1412,7 @@
           <a:p>
             <a:fld id="{72B2CC4D-9F14-4B08-B515-ED3015F7E0D9}" type="datetimeFigureOut">
               <a:rPr lang="en-GB" smtClean="0"/>
-              <a:t>13/08/2019</a:t>
+              <a:t>30/08/2019</a:t>
             </a:fld>
             <a:endParaRPr lang="en-GB"/>
           </a:p>
@@ -1589,7 +1593,7 @@
           </a:lstStyle>
           <a:p>
             <a:r>
-              <a:rPr lang="en-US" smtClean="0"/>
+              <a:rPr lang="en-US"/>
               <a:t>Click to edit Master title style</a:t>
             </a:r>
             <a:endParaRPr lang="en-US" dirty="0"/>
@@ -1712,7 +1716,7 @@
           <a:p>
             <a:pPr lvl="0"/>
             <a:r>
-              <a:rPr lang="en-US" smtClean="0"/>
+              <a:rPr lang="en-US"/>
               <a:t>Click to edit Master text styles</a:t>
             </a:r>
           </a:p>
@@ -1735,7 +1739,7 @@
           <a:p>
             <a:fld id="{72B2CC4D-9F14-4B08-B515-ED3015F7E0D9}" type="datetimeFigureOut">
               <a:rPr lang="en-GB" smtClean="0"/>
-              <a:t>13/08/2019</a:t>
+              <a:t>30/08/2019</a:t>
             </a:fld>
             <a:endParaRPr lang="en-GB"/>
           </a:p>
@@ -1840,7 +1844,7 @@
           </a:lstStyle>
           <a:p>
             <a:r>
-              <a:rPr lang="en-US" smtClean="0"/>
+              <a:rPr lang="en-US"/>
               <a:t>Click to edit Master title style</a:t>
             </a:r>
             <a:endParaRPr lang="en-US" dirty="0"/>
@@ -1904,7 +1908,7 @@
           <a:p>
             <a:pPr lvl="0"/>
             <a:r>
-              <a:rPr lang="en-US" smtClean="0"/>
+              <a:rPr lang="en-US"/>
               <a:t>Click to edit Master text styles</a:t>
             </a:r>
           </a:p>
@@ -2026,7 +2030,7 @@
           <a:p>
             <a:pPr lvl="0"/>
             <a:r>
-              <a:rPr lang="en-US" smtClean="0"/>
+              <a:rPr lang="en-US"/>
               <a:t>Click to edit Master text styles</a:t>
             </a:r>
           </a:p>
@@ -2049,7 +2053,7 @@
           <a:p>
             <a:fld id="{72B2CC4D-9F14-4B08-B515-ED3015F7E0D9}" type="datetimeFigureOut">
               <a:rPr lang="en-GB" smtClean="0"/>
-              <a:t>13/08/2019</a:t>
+              <a:t>30/08/2019</a:t>
             </a:fld>
             <a:endParaRPr lang="en-GB"/>
           </a:p>
@@ -2230,7 +2234,7 @@
           </a:lstStyle>
           <a:p>
             <a:r>
-              <a:rPr lang="en-US" smtClean="0"/>
+              <a:rPr lang="en-US"/>
               <a:t>Click to edit Master title style</a:t>
             </a:r>
             <a:endParaRPr lang="en-US" dirty="0"/>
@@ -2291,7 +2295,7 @@
           <a:p>
             <a:pPr lvl="0"/>
             <a:r>
-              <a:rPr lang="en-US" smtClean="0"/>
+              <a:rPr lang="en-US"/>
               <a:t>Click to edit Master text styles</a:t>
             </a:r>
           </a:p>
@@ -2413,7 +2417,7 @@
           <a:p>
             <a:pPr lvl="0"/>
             <a:r>
-              <a:rPr lang="en-US" smtClean="0"/>
+              <a:rPr lang="en-US"/>
               <a:t>Click to edit Master text styles</a:t>
             </a:r>
           </a:p>
@@ -2436,7 +2440,7 @@
           <a:p>
             <a:fld id="{72B2CC4D-9F14-4B08-B515-ED3015F7E0D9}" type="datetimeFigureOut">
               <a:rPr lang="en-GB" smtClean="0"/>
-              <a:t>13/08/2019</a:t>
+              <a:t>30/08/2019</a:t>
             </a:fld>
             <a:endParaRPr lang="en-GB"/>
           </a:p>
@@ -2530,7 +2534,7 @@
           <a:lstStyle/>
           <a:p>
             <a:r>
-              <a:rPr lang="en-US" smtClean="0"/>
+              <a:rPr lang="en-US"/>
               <a:t>Click to edit Master title style</a:t>
             </a:r>
             <a:endParaRPr lang="en-US" dirty="0"/>
@@ -2554,35 +2558,35 @@
           <a:p>
             <a:pPr lvl="0"/>
             <a:r>
-              <a:rPr lang="en-US" smtClean="0"/>
+              <a:rPr lang="en-US"/>
               <a:t>Click to edit Master text styles</a:t>
             </a:r>
           </a:p>
           <a:p>
             <a:pPr lvl="1"/>
             <a:r>
-              <a:rPr lang="en-US" smtClean="0"/>
+              <a:rPr lang="en-US"/>
               <a:t>Second level</a:t>
             </a:r>
           </a:p>
           <a:p>
             <a:pPr lvl="2"/>
             <a:r>
-              <a:rPr lang="en-US" smtClean="0"/>
+              <a:rPr lang="en-US"/>
               <a:t>Third level</a:t>
             </a:r>
           </a:p>
           <a:p>
             <a:pPr lvl="3"/>
             <a:r>
-              <a:rPr lang="en-US" smtClean="0"/>
+              <a:rPr lang="en-US"/>
               <a:t>Fourth level</a:t>
             </a:r>
           </a:p>
           <a:p>
             <a:pPr lvl="4"/>
             <a:r>
-              <a:rPr lang="en-US" smtClean="0"/>
+              <a:rPr lang="en-US"/>
               <a:t>Fifth level</a:t>
             </a:r>
             <a:endParaRPr lang="en-US" dirty="0"/>
@@ -2606,7 +2610,7 @@
           <a:p>
             <a:fld id="{72B2CC4D-9F14-4B08-B515-ED3015F7E0D9}" type="datetimeFigureOut">
               <a:rPr lang="en-GB" smtClean="0"/>
-              <a:t>13/08/2019</a:t>
+              <a:t>30/08/2019</a:t>
             </a:fld>
             <a:endParaRPr lang="en-GB"/>
           </a:p>
@@ -2705,7 +2709,7 @@
           <a:lstStyle/>
           <a:p>
             <a:r>
-              <a:rPr lang="en-US" smtClean="0"/>
+              <a:rPr lang="en-US"/>
               <a:t>Click to edit Master title style</a:t>
             </a:r>
             <a:endParaRPr lang="en-US" dirty="0"/>
@@ -2734,35 +2738,35 @@
           <a:p>
             <a:pPr lvl="0"/>
             <a:r>
-              <a:rPr lang="en-US" smtClean="0"/>
+              <a:rPr lang="en-US"/>
               <a:t>Click to edit Master text styles</a:t>
             </a:r>
           </a:p>
           <a:p>
             <a:pPr lvl="1"/>
             <a:r>
-              <a:rPr lang="en-US" smtClean="0"/>
+              <a:rPr lang="en-US"/>
               <a:t>Second level</a:t>
             </a:r>
           </a:p>
           <a:p>
             <a:pPr lvl="2"/>
             <a:r>
-              <a:rPr lang="en-US" smtClean="0"/>
+              <a:rPr lang="en-US"/>
               <a:t>Third level</a:t>
             </a:r>
           </a:p>
           <a:p>
             <a:pPr lvl="3"/>
             <a:r>
-              <a:rPr lang="en-US" smtClean="0"/>
+              <a:rPr lang="en-US"/>
               <a:t>Fourth level</a:t>
             </a:r>
           </a:p>
           <a:p>
             <a:pPr lvl="4"/>
             <a:r>
-              <a:rPr lang="en-US" smtClean="0"/>
+              <a:rPr lang="en-US"/>
               <a:t>Fifth level</a:t>
             </a:r>
             <a:endParaRPr lang="en-US" dirty="0"/>
@@ -2786,7 +2790,7 @@
           <a:p>
             <a:fld id="{72B2CC4D-9F14-4B08-B515-ED3015F7E0D9}" type="datetimeFigureOut">
               <a:rPr lang="en-GB" smtClean="0"/>
-              <a:t>13/08/2019</a:t>
+              <a:t>30/08/2019</a:t>
             </a:fld>
             <a:endParaRPr lang="en-GB"/>
           </a:p>
@@ -2880,7 +2884,7 @@
           <a:lstStyle/>
           <a:p>
             <a:r>
-              <a:rPr lang="en-US" smtClean="0"/>
+              <a:rPr lang="en-US"/>
               <a:t>Click to edit Master title style</a:t>
             </a:r>
             <a:endParaRPr lang="en-US" dirty="0"/>
@@ -2904,35 +2908,35 @@
           <a:p>
             <a:pPr lvl="0"/>
             <a:r>
-              <a:rPr lang="en-US" smtClean="0"/>
+              <a:rPr lang="en-US"/>
               <a:t>Click to edit Master text styles</a:t>
             </a:r>
           </a:p>
           <a:p>
             <a:pPr lvl="1"/>
             <a:r>
-              <a:rPr lang="en-US" smtClean="0"/>
+              <a:rPr lang="en-US"/>
               <a:t>Second level</a:t>
             </a:r>
           </a:p>
           <a:p>
             <a:pPr lvl="2"/>
             <a:r>
-              <a:rPr lang="en-US" smtClean="0"/>
+              <a:rPr lang="en-US"/>
               <a:t>Third level</a:t>
             </a:r>
           </a:p>
           <a:p>
             <a:pPr lvl="3"/>
             <a:r>
-              <a:rPr lang="en-US" smtClean="0"/>
+              <a:rPr lang="en-US"/>
               <a:t>Fourth level</a:t>
             </a:r>
           </a:p>
           <a:p>
             <a:pPr lvl="4"/>
             <a:r>
-              <a:rPr lang="en-US" smtClean="0"/>
+              <a:rPr lang="en-US"/>
               <a:t>Fifth level</a:t>
             </a:r>
             <a:endParaRPr lang="en-US" dirty="0"/>
@@ -2956,7 +2960,7 @@
           <a:p>
             <a:fld id="{72B2CC4D-9F14-4B08-B515-ED3015F7E0D9}" type="datetimeFigureOut">
               <a:rPr lang="en-GB" smtClean="0"/>
-              <a:t>13/08/2019</a:t>
+              <a:t>30/08/2019</a:t>
             </a:fld>
             <a:endParaRPr lang="en-GB"/>
           </a:p>
@@ -3059,7 +3063,7 @@
           </a:lstStyle>
           <a:p>
             <a:r>
-              <a:rPr lang="en-US" smtClean="0"/>
+              <a:rPr lang="en-US"/>
               <a:t>Click to edit Master title style</a:t>
             </a:r>
             <a:endParaRPr lang="en-US" dirty="0"/>
@@ -3180,7 +3184,7 @@
           <a:p>
             <a:pPr lvl="0"/>
             <a:r>
-              <a:rPr lang="en-US" smtClean="0"/>
+              <a:rPr lang="en-US"/>
               <a:t>Click to edit Master text styles</a:t>
             </a:r>
           </a:p>
@@ -3203,7 +3207,7 @@
           <a:p>
             <a:fld id="{72B2CC4D-9F14-4B08-B515-ED3015F7E0D9}" type="datetimeFigureOut">
               <a:rPr lang="en-GB" smtClean="0"/>
-              <a:t>13/08/2019</a:t>
+              <a:t>30/08/2019</a:t>
             </a:fld>
             <a:endParaRPr lang="en-GB"/>
           </a:p>
@@ -3297,7 +3301,7 @@
           <a:lstStyle/>
           <a:p>
             <a:r>
-              <a:rPr lang="en-US" smtClean="0"/>
+              <a:rPr lang="en-US"/>
               <a:t>Click to edit Master title style</a:t>
             </a:r>
             <a:endParaRPr lang="en-US" dirty="0"/>
@@ -3326,35 +3330,35 @@
           <a:p>
             <a:pPr lvl="0"/>
             <a:r>
-              <a:rPr lang="en-US" smtClean="0"/>
+              <a:rPr lang="en-US"/>
               <a:t>Click to edit Master text styles</a:t>
             </a:r>
           </a:p>
           <a:p>
             <a:pPr lvl="1"/>
             <a:r>
-              <a:rPr lang="en-US" smtClean="0"/>
+              <a:rPr lang="en-US"/>
               <a:t>Second level</a:t>
             </a:r>
           </a:p>
           <a:p>
             <a:pPr lvl="2"/>
             <a:r>
-              <a:rPr lang="en-US" smtClean="0"/>
+              <a:rPr lang="en-US"/>
               <a:t>Third level</a:t>
             </a:r>
           </a:p>
           <a:p>
             <a:pPr lvl="3"/>
             <a:r>
-              <a:rPr lang="en-US" smtClean="0"/>
+              <a:rPr lang="en-US"/>
               <a:t>Fourth level</a:t>
             </a:r>
           </a:p>
           <a:p>
             <a:pPr lvl="4"/>
             <a:r>
-              <a:rPr lang="en-US" smtClean="0"/>
+              <a:rPr lang="en-US"/>
               <a:t>Fifth level</a:t>
             </a:r>
             <a:endParaRPr lang="en-US" dirty="0"/>
@@ -3383,35 +3387,35 @@
           <a:p>
             <a:pPr lvl="0"/>
             <a:r>
-              <a:rPr lang="en-US" smtClean="0"/>
+              <a:rPr lang="en-US"/>
               <a:t>Click to edit Master text styles</a:t>
             </a:r>
           </a:p>
           <a:p>
             <a:pPr lvl="1"/>
             <a:r>
-              <a:rPr lang="en-US" smtClean="0"/>
+              <a:rPr lang="en-US"/>
               <a:t>Second level</a:t>
             </a:r>
           </a:p>
           <a:p>
             <a:pPr lvl="2"/>
             <a:r>
-              <a:rPr lang="en-US" smtClean="0"/>
+              <a:rPr lang="en-US"/>
               <a:t>Third level</a:t>
             </a:r>
           </a:p>
           <a:p>
             <a:pPr lvl="3"/>
             <a:r>
-              <a:rPr lang="en-US" smtClean="0"/>
+              <a:rPr lang="en-US"/>
               <a:t>Fourth level</a:t>
             </a:r>
           </a:p>
           <a:p>
             <a:pPr lvl="4"/>
             <a:r>
-              <a:rPr lang="en-US" smtClean="0"/>
+              <a:rPr lang="en-US"/>
               <a:t>Fifth level</a:t>
             </a:r>
             <a:endParaRPr lang="en-US" dirty="0"/>
@@ -3435,7 +3439,7 @@
           <a:p>
             <a:fld id="{72B2CC4D-9F14-4B08-B515-ED3015F7E0D9}" type="datetimeFigureOut">
               <a:rPr lang="en-GB" smtClean="0"/>
-              <a:t>13/08/2019</a:t>
+              <a:t>30/08/2019</a:t>
             </a:fld>
             <a:endParaRPr lang="en-GB"/>
           </a:p>
@@ -3533,7 +3537,7 @@
           </a:lstStyle>
           <a:p>
             <a:r>
-              <a:rPr lang="en-US" smtClean="0"/>
+              <a:rPr lang="en-US"/>
               <a:t>Click to edit Master title style</a:t>
             </a:r>
             <a:endParaRPr lang="en-US" dirty="0"/>
@@ -3601,7 +3605,7 @@
           <a:p>
             <a:pPr lvl="0"/>
             <a:r>
-              <a:rPr lang="en-US" smtClean="0"/>
+              <a:rPr lang="en-US"/>
               <a:t>Click to edit Master text styles</a:t>
             </a:r>
           </a:p>
@@ -3631,35 +3635,35 @@
           <a:p>
             <a:pPr lvl="0"/>
             <a:r>
-              <a:rPr lang="en-US" smtClean="0"/>
+              <a:rPr lang="en-US"/>
               <a:t>Click to edit Master text styles</a:t>
             </a:r>
           </a:p>
           <a:p>
             <a:pPr lvl="1"/>
             <a:r>
-              <a:rPr lang="en-US" smtClean="0"/>
+              <a:rPr lang="en-US"/>
               <a:t>Second level</a:t>
             </a:r>
           </a:p>
           <a:p>
             <a:pPr lvl="2"/>
             <a:r>
-              <a:rPr lang="en-US" smtClean="0"/>
+              <a:rPr lang="en-US"/>
               <a:t>Third level</a:t>
             </a:r>
           </a:p>
           <a:p>
             <a:pPr lvl="3"/>
             <a:r>
-              <a:rPr lang="en-US" smtClean="0"/>
+              <a:rPr lang="en-US"/>
               <a:t>Fourth level</a:t>
             </a:r>
           </a:p>
           <a:p>
             <a:pPr lvl="4"/>
             <a:r>
-              <a:rPr lang="en-US" smtClean="0"/>
+              <a:rPr lang="en-US"/>
               <a:t>Fifth level</a:t>
             </a:r>
             <a:endParaRPr lang="en-US" dirty="0"/>
@@ -3727,7 +3731,7 @@
           <a:p>
             <a:pPr lvl="0"/>
             <a:r>
-              <a:rPr lang="en-US" smtClean="0"/>
+              <a:rPr lang="en-US"/>
               <a:t>Click to edit Master text styles</a:t>
             </a:r>
           </a:p>
@@ -3757,35 +3761,35 @@
           <a:p>
             <a:pPr lvl="0"/>
             <a:r>
-              <a:rPr lang="en-US" smtClean="0"/>
+              <a:rPr lang="en-US"/>
               <a:t>Click to edit Master text styles</a:t>
             </a:r>
           </a:p>
           <a:p>
             <a:pPr lvl="1"/>
             <a:r>
-              <a:rPr lang="en-US" smtClean="0"/>
+              <a:rPr lang="en-US"/>
               <a:t>Second level</a:t>
             </a:r>
           </a:p>
           <a:p>
             <a:pPr lvl="2"/>
             <a:r>
-              <a:rPr lang="en-US" smtClean="0"/>
+              <a:rPr lang="en-US"/>
               <a:t>Third level</a:t>
             </a:r>
           </a:p>
           <a:p>
             <a:pPr lvl="3"/>
             <a:r>
-              <a:rPr lang="en-US" smtClean="0"/>
+              <a:rPr lang="en-US"/>
               <a:t>Fourth level</a:t>
             </a:r>
           </a:p>
           <a:p>
             <a:pPr lvl="4"/>
             <a:r>
-              <a:rPr lang="en-US" smtClean="0"/>
+              <a:rPr lang="en-US"/>
               <a:t>Fifth level</a:t>
             </a:r>
             <a:endParaRPr lang="en-US" dirty="0"/>
@@ -3809,7 +3813,7 @@
           <a:p>
             <a:fld id="{72B2CC4D-9F14-4B08-B515-ED3015F7E0D9}" type="datetimeFigureOut">
               <a:rPr lang="en-GB" smtClean="0"/>
-              <a:t>13/08/2019</a:t>
+              <a:t>30/08/2019</a:t>
             </a:fld>
             <a:endParaRPr lang="en-GB"/>
           </a:p>
@@ -3908,7 +3912,7 @@
           <a:lstStyle/>
           <a:p>
             <a:r>
-              <a:rPr lang="en-US" smtClean="0"/>
+              <a:rPr lang="en-US"/>
               <a:t>Click to edit Master title style</a:t>
             </a:r>
             <a:endParaRPr lang="en-US" dirty="0"/>
@@ -3932,7 +3936,7 @@
           <a:p>
             <a:fld id="{72B2CC4D-9F14-4B08-B515-ED3015F7E0D9}" type="datetimeFigureOut">
               <a:rPr lang="en-GB" smtClean="0"/>
-              <a:t>13/08/2019</a:t>
+              <a:t>30/08/2019</a:t>
             </a:fld>
             <a:endParaRPr lang="en-GB"/>
           </a:p>
@@ -4027,7 +4031,7 @@
           <a:p>
             <a:fld id="{72B2CC4D-9F14-4B08-B515-ED3015F7E0D9}" type="datetimeFigureOut">
               <a:rPr lang="en-GB" smtClean="0"/>
-              <a:t>13/08/2019</a:t>
+              <a:t>30/08/2019</a:t>
             </a:fld>
             <a:endParaRPr lang="en-GB"/>
           </a:p>
@@ -4132,7 +4136,7 @@
           </a:lstStyle>
           <a:p>
             <a:r>
-              <a:rPr lang="en-US" smtClean="0"/>
+              <a:rPr lang="en-US"/>
               <a:t>Click to edit Master title style</a:t>
             </a:r>
             <a:endParaRPr lang="en-US" dirty="0"/>
@@ -4163,35 +4167,35 @@
           <a:p>
             <a:pPr lvl="0"/>
             <a:r>
-              <a:rPr lang="en-US" smtClean="0"/>
+              <a:rPr lang="en-US"/>
               <a:t>Click to edit Master text styles</a:t>
             </a:r>
           </a:p>
           <a:p>
             <a:pPr lvl="1"/>
             <a:r>
-              <a:rPr lang="en-US" smtClean="0"/>
+              <a:rPr lang="en-US"/>
               <a:t>Second level</a:t>
             </a:r>
           </a:p>
           <a:p>
             <a:pPr lvl="2"/>
             <a:r>
-              <a:rPr lang="en-US" smtClean="0"/>
+              <a:rPr lang="en-US"/>
               <a:t>Third level</a:t>
             </a:r>
           </a:p>
           <a:p>
             <a:pPr lvl="3"/>
             <a:r>
-              <a:rPr lang="en-US" smtClean="0"/>
+              <a:rPr lang="en-US"/>
               <a:t>Fourth level</a:t>
             </a:r>
           </a:p>
           <a:p>
             <a:pPr lvl="4"/>
             <a:r>
-              <a:rPr lang="en-US" smtClean="0"/>
+              <a:rPr lang="en-US"/>
               <a:t>Fifth level</a:t>
             </a:r>
             <a:endParaRPr lang="en-US" dirty="0"/>
@@ -4259,7 +4263,7 @@
           <a:p>
             <a:pPr lvl="0"/>
             <a:r>
-              <a:rPr lang="en-US" smtClean="0"/>
+              <a:rPr lang="en-US"/>
               <a:t>Click to edit Master text styles</a:t>
             </a:r>
           </a:p>
@@ -4282,7 +4286,7 @@
           <a:p>
             <a:fld id="{72B2CC4D-9F14-4B08-B515-ED3015F7E0D9}" type="datetimeFigureOut">
               <a:rPr lang="en-GB" smtClean="0"/>
-              <a:t>13/08/2019</a:t>
+              <a:t>30/08/2019</a:t>
             </a:fld>
             <a:endParaRPr lang="en-GB"/>
           </a:p>
@@ -4387,7 +4391,7 @@
           </a:lstStyle>
           <a:p>
             <a:r>
-              <a:rPr lang="en-US" smtClean="0"/>
+              <a:rPr lang="en-US"/>
               <a:t>Click to edit Master title style</a:t>
             </a:r>
             <a:endParaRPr lang="en-US" dirty="0"/>
@@ -4454,7 +4458,7 @@
           </a:lstStyle>
           <a:p>
             <a:r>
-              <a:rPr lang="en-US" smtClean="0"/>
+              <a:rPr lang="en-US"/>
               <a:t>Click icon to add picture</a:t>
             </a:r>
             <a:endParaRPr lang="en-US" dirty="0"/>
@@ -4522,7 +4526,7 @@
           <a:p>
             <a:pPr lvl="0"/>
             <a:r>
-              <a:rPr lang="en-US" smtClean="0"/>
+              <a:rPr lang="en-US"/>
               <a:t>Click to edit Master text styles</a:t>
             </a:r>
           </a:p>
@@ -4545,7 +4549,7 @@
           <a:p>
             <a:fld id="{72B2CC4D-9F14-4B08-B515-ED3015F7E0D9}" type="datetimeFigureOut">
               <a:rPr lang="en-GB" smtClean="0"/>
-              <a:t>13/08/2019</a:t>
+              <a:t>30/08/2019</a:t>
             </a:fld>
             <a:endParaRPr lang="en-GB"/>
           </a:p>
@@ -5186,7 +5190,7 @@
           <a:lstStyle/>
           <a:p>
             <a:r>
-              <a:rPr lang="en-US" smtClean="0"/>
+              <a:rPr lang="en-US"/>
               <a:t>Click to edit Master title style</a:t>
             </a:r>
             <a:endParaRPr lang="en-US" dirty="0"/>
@@ -5220,35 +5224,35 @@
           <a:p>
             <a:pPr lvl="0"/>
             <a:r>
-              <a:rPr lang="en-US" smtClean="0"/>
+              <a:rPr lang="en-US"/>
               <a:t>Click to edit Master text styles</a:t>
             </a:r>
           </a:p>
           <a:p>
             <a:pPr lvl="1"/>
             <a:r>
-              <a:rPr lang="en-US" smtClean="0"/>
+              <a:rPr lang="en-US"/>
               <a:t>Second level</a:t>
             </a:r>
           </a:p>
           <a:p>
             <a:pPr lvl="2"/>
             <a:r>
-              <a:rPr lang="en-US" smtClean="0"/>
+              <a:rPr lang="en-US"/>
               <a:t>Third level</a:t>
             </a:r>
           </a:p>
           <a:p>
             <a:pPr lvl="3"/>
             <a:r>
-              <a:rPr lang="en-US" smtClean="0"/>
+              <a:rPr lang="en-US"/>
               <a:t>Fourth level</a:t>
             </a:r>
           </a:p>
           <a:p>
             <a:pPr lvl="4"/>
             <a:r>
-              <a:rPr lang="en-US" smtClean="0"/>
+              <a:rPr lang="en-US"/>
               <a:t>Fifth level</a:t>
             </a:r>
             <a:endParaRPr lang="en-US" dirty="0"/>
@@ -5290,7 +5294,7 @@
           <a:p>
             <a:fld id="{72B2CC4D-9F14-4B08-B515-ED3015F7E0D9}" type="datetimeFigureOut">
               <a:rPr lang="en-GB" smtClean="0"/>
-              <a:t>13/08/2019</a:t>
+              <a:t>30/08/2019</a:t>
             </a:fld>
             <a:endParaRPr lang="en-GB"/>
           </a:p>
@@ -5921,98 +5925,6 @@
       </p:grpSpPr>
       <p:pic>
         <p:nvPicPr>
-          <p:cNvPr id="4" name="Picture 3" descr="C:\Users\Edem Adjei\Desktop\turnitin\final3 (1).jpg"/>
-          <p:cNvPicPr/>
-          <p:nvPr/>
-        </p:nvPicPr>
-        <p:blipFill>
-          <a:blip r:embed="rId2" cstate="print">
-            <a:extLst>
-              <a:ext uri="{28A0092B-C50C-407E-A947-70E740481C1C}">
-                <a14:useLocalDpi xmlns:a14="http://schemas.microsoft.com/office/drawing/2010/main" val="0"/>
-              </a:ext>
-            </a:extLst>
-          </a:blip>
-          <a:srcRect/>
-          <a:stretch>
-            <a:fillRect/>
-          </a:stretch>
-        </p:blipFill>
-        <p:spPr bwMode="auto">
-          <a:xfrm>
-            <a:off x="6095136" y="154546"/>
-            <a:ext cx="4130689" cy="6490952"/>
-          </a:xfrm>
-          <a:prstGeom prst="rect">
-            <a:avLst/>
-          </a:prstGeom>
-          <a:noFill/>
-          <a:ln>
-            <a:noFill/>
-          </a:ln>
-        </p:spPr>
-      </p:pic>
-      <p:pic>
-        <p:nvPicPr>
-          <p:cNvPr id="6" name="Picture 5"/>
-          <p:cNvPicPr>
-            <a:picLocks noChangeAspect="1"/>
-          </p:cNvPicPr>
-          <p:nvPr/>
-        </p:nvPicPr>
-        <p:blipFill rotWithShape="1">
-          <a:blip r:embed="rId3" cstate="print">
-            <a:extLst>
-              <a:ext uri="{28A0092B-C50C-407E-A947-70E740481C1C}">
-                <a14:useLocalDpi xmlns:a14="http://schemas.microsoft.com/office/drawing/2010/main" val="0"/>
-              </a:ext>
-            </a:extLst>
-          </a:blip>
-          <a:srcRect t="4367" b="2300"/>
-          <a:stretch/>
-        </p:blipFill>
-        <p:spPr>
-          <a:xfrm>
-            <a:off x="1120463" y="270456"/>
-            <a:ext cx="3747752" cy="6400800"/>
-          </a:xfrm>
-          <a:prstGeom prst="rect">
-            <a:avLst/>
-          </a:prstGeom>
-        </p:spPr>
-      </p:pic>
-    </p:spTree>
-    <p:extLst>
-      <p:ext uri="{BB962C8B-B14F-4D97-AF65-F5344CB8AC3E}">
-        <p14:creationId xmlns:p14="http://schemas.microsoft.com/office/powerpoint/2010/main" val="1216985107"/>
-      </p:ext>
-    </p:extLst>
-  </p:cSld>
-  <p:clrMapOvr>
-    <a:masterClrMapping/>
-  </p:clrMapOvr>
-</p:sld>
-</file>
-
-<file path=ppt/slides/slide11.xml><?xml version="1.0" encoding="utf-8"?>
-<p:sld xmlns:a="http://schemas.openxmlformats.org/drawingml/2006/main" xmlns:r="http://schemas.openxmlformats.org/officeDocument/2006/relationships" xmlns:p="http://schemas.openxmlformats.org/presentationml/2006/main">
-  <p:cSld>
-    <p:spTree>
-      <p:nvGrpSpPr>
-        <p:cNvPr id="1" name=""/>
-        <p:cNvGrpSpPr/>
-        <p:nvPr/>
-      </p:nvGrpSpPr>
-      <p:grpSpPr>
-        <a:xfrm>
-          <a:off x="0" y="0"/>
-          <a:ext cx="0" cy="0"/>
-          <a:chOff x="0" y="0"/>
-          <a:chExt cx="0" cy="0"/>
-        </a:xfrm>
-      </p:grpSpPr>
-      <p:pic>
-        <p:nvPicPr>
           <p:cNvPr id="4" name="Picture 3" descr="C:\Users\Edem Adjei\Desktop\turnitin\4.jpg"/>
           <p:cNvPicPr/>
           <p:nvPr/>
@@ -6129,11 +6041,11 @@
           <a:p>
             <a:pPr algn="ctr"/>
             <a:r>
-              <a:rPr lang="en-US" sz="5400" b="1" dirty="0" smtClean="0"/>
+              <a:rPr lang="en-US" sz="5400" b="1" dirty="0"/>
               <a:t>Introduction</a:t>
             </a:r>
             <a:r>
-              <a:rPr lang="en-US" dirty="0" smtClean="0"/>
+              <a:rPr lang="en-US" dirty="0"/>
               <a:t> </a:t>
             </a:r>
             <a:endParaRPr lang="en-GB" dirty="0"/>
@@ -6166,44 +6078,24 @@
               <a:rPr lang="en-US" sz="2400" dirty="0"/>
               <a:t>In some developed cities in the Africa and the world as a whole, means of transportation includes small boats, taxis, buses and trains to commute people in the city.  </a:t>
             </a:r>
-            <a:endParaRPr lang="en-US" sz="2400" dirty="0" smtClean="0"/>
-          </a:p>
-          <a:p>
-            <a:r>
-              <a:rPr lang="en-US" sz="2400" dirty="0" smtClean="0"/>
-              <a:t>In </a:t>
-            </a:r>
+          </a:p>
+          <a:p>
             <a:r>
               <a:rPr lang="en-US" sz="2400" dirty="0"/>
-              <a:t>Ghana, the commonest means of transporting people in the urban space is the use of </a:t>
-            </a:r>
-            <a:r>
-              <a:rPr lang="en-US" sz="2400" dirty="0" smtClean="0"/>
-              <a:t>“Trotro". </a:t>
-            </a:r>
+              <a:t>In Ghana, the commonest means of transporting people in the urban space is the use of “Trotro". This is made up of minivan and buses which can accommodate between 9 and 21 passengers at a time. </a:t>
+            </a:r>
+          </a:p>
+          <a:p>
             <a:r>
               <a:rPr lang="en-US" sz="2400" dirty="0"/>
-              <a:t>This is made up of minivan and buses which can accommodate between 9 and 21 passengers at a time. </a:t>
-            </a:r>
-            <a:endParaRPr lang="en-US" sz="2400" dirty="0" smtClean="0"/>
-          </a:p>
-          <a:p>
-            <a:r>
-              <a:rPr lang="en-US" sz="2400" dirty="0" smtClean="0"/>
-              <a:t>The Trotro </a:t>
-            </a:r>
-            <a:r>
-              <a:rPr lang="en-US" sz="2400" dirty="0"/>
-              <a:t>ply on most of the main roads of the city, stopping at various bus stops to either pick up passengers or drop off passengers who have arrived at their location. The passenger is therefore required to pay an amount as the cost for being transported from his location to his destination. </a:t>
-            </a:r>
-            <a:endParaRPr lang="en-US" sz="2400" dirty="0" smtClean="0"/>
+              <a:t>The Trotro ply on most of the main roads of the city, stopping at various bus stops to either pick up passengers or drop off passengers who have arrived at their location. The passenger is therefore required to pay an amount as the cost for being transported from his location to his destination. </a:t>
+            </a:r>
           </a:p>
           <a:p>
             <a:r>
               <a:rPr lang="en-GB" sz="2400" dirty="0"/>
               <a:t>This has also being companied by its’ own associated problems. </a:t>
             </a:r>
-            <a:endParaRPr lang="en-GB" sz="2400" dirty="0"/>
           </a:p>
         </p:txBody>
       </p:sp>
@@ -6261,7 +6153,7 @@
           <a:p>
             <a:pPr algn="ctr"/>
             <a:r>
-              <a:rPr lang="en-US" sz="4400" b="1" dirty="0" smtClean="0"/>
+              <a:rPr lang="en-US" sz="4400" b="1" dirty="0"/>
               <a:t>Problem Definition </a:t>
             </a:r>
             <a:endParaRPr lang="en-GB" sz="4400" b="1" dirty="0"/>
@@ -6294,49 +6186,49 @@
               <a:buNone/>
             </a:pPr>
             <a:r>
-              <a:rPr lang="en-US" sz="2800" dirty="0" smtClean="0"/>
+              <a:rPr lang="en-US" sz="2800" dirty="0"/>
               <a:t>The following problems are identified with the Trotro system</a:t>
             </a:r>
           </a:p>
           <a:p>
             <a:pPr lvl="1"/>
             <a:r>
-              <a:rPr lang="en-US" sz="2400" dirty="0" smtClean="0"/>
+              <a:rPr lang="en-US" sz="2400" dirty="0"/>
               <a:t>Lack of adherence to standards for commercial cars per DVLA Standards </a:t>
             </a:r>
           </a:p>
           <a:p>
             <a:pPr lvl="1"/>
             <a:r>
-              <a:rPr lang="en-US" sz="2400" dirty="0" smtClean="0"/>
+              <a:rPr lang="en-US" sz="2400" dirty="0"/>
               <a:t>Passengers fight with drivers and the mates on cost of transporting them</a:t>
             </a:r>
           </a:p>
           <a:p>
             <a:pPr lvl="1"/>
             <a:r>
-              <a:rPr lang="en-US" sz="2400" dirty="0" smtClean="0"/>
+              <a:rPr lang="en-US" sz="2400" dirty="0"/>
               <a:t>Drivers picking up passengers at anywhere even when there is no bus stop</a:t>
             </a:r>
           </a:p>
           <a:p>
             <a:pPr lvl="1"/>
             <a:r>
-              <a:rPr lang="en-US" sz="2400" dirty="0" smtClean="0"/>
+              <a:rPr lang="en-US" sz="2400" dirty="0"/>
               <a:t>Drivers aborting trips per their discretions leaving passengers stranded.</a:t>
             </a:r>
           </a:p>
           <a:p>
             <a:pPr lvl="1"/>
             <a:r>
-              <a:rPr lang="en-US" sz="2400" dirty="0" smtClean="0"/>
+              <a:rPr lang="en-US" sz="2400" dirty="0"/>
               <a:t>Difficulties in getting Trotro at peak periods </a:t>
             </a:r>
           </a:p>
           <a:p>
             <a:pPr lvl="1"/>
             <a:r>
-              <a:rPr lang="en-US" sz="2400" dirty="0" smtClean="0"/>
+              <a:rPr lang="en-US" sz="2400" dirty="0"/>
               <a:t>Drivers and their mates fight over sales made. Same with the drivers and car owners </a:t>
             </a:r>
           </a:p>
@@ -6394,7 +6286,7 @@
           <a:p>
             <a:pPr algn="ctr"/>
             <a:r>
-              <a:rPr lang="en-US" sz="6600" u="sng" dirty="0" smtClean="0"/>
+              <a:rPr lang="en-US" sz="6600" u="sng" dirty="0"/>
               <a:t>AIM</a:t>
             </a:r>
             <a:endParaRPr lang="en-GB" sz="6600" u="sng" dirty="0"/>
@@ -6425,17 +6317,16 @@
           <a:p>
             <a:r>
               <a:rPr lang="en-GB" sz="4000" b="1" dirty="0"/>
-              <a:t>The aim of this project is to develop a mobile application that will help manage the front end between the passengers and Drivers and </a:t>
-            </a:r>
-            <a:r>
-              <a:rPr lang="en-GB" sz="4000" b="1" dirty="0" smtClean="0"/>
-              <a:t>Trotro </a:t>
+              <a:t>The aim of this project is to develop a mobile application that will help manage the front end between the passengers and the </a:t>
+            </a:r>
+            <a:r>
+              <a:rPr lang="en-GB" sz="4000" b="1" dirty="0" err="1"/>
+              <a:t>TroTro</a:t>
             </a:r>
             <a:r>
               <a:rPr lang="en-GB" sz="4000" b="1" dirty="0"/>
-              <a:t>conductors. </a:t>
-            </a:r>
-            <a:endParaRPr lang="en-GB" sz="4000" b="1" dirty="0"/>
+              <a:t> drivers and conductors. </a:t>
+            </a:r>
           </a:p>
         </p:txBody>
       </p:sp>
@@ -6488,7 +6379,7 @@
           <a:p>
             <a:pPr algn="ctr"/>
             <a:r>
-              <a:rPr lang="en-US" sz="6000" u="sng" dirty="0" smtClean="0"/>
+              <a:rPr lang="en-US" sz="6000" u="sng" dirty="0"/>
               <a:t>OBJECTIVES </a:t>
             </a:r>
             <a:endParaRPr lang="en-GB" sz="6000" u="sng" dirty="0"/>
@@ -6521,7 +6412,7 @@
               <a:buNone/>
             </a:pPr>
             <a:r>
-              <a:rPr lang="en-US" sz="3200" dirty="0" smtClean="0"/>
+              <a:rPr lang="en-US" sz="3200" dirty="0"/>
               <a:t>The objectives of the project is to</a:t>
             </a:r>
           </a:p>
@@ -6531,12 +6422,8 @@
               <a:buAutoNum type="alphaLcPeriod"/>
             </a:pPr>
             <a:r>
-              <a:rPr lang="en-US" sz="2800" dirty="0" smtClean="0"/>
-              <a:t>identifying Trotro </a:t>
-            </a:r>
-            <a:r>
               <a:rPr lang="en-US" sz="2800" dirty="0"/>
-              <a:t>on route and board them</a:t>
+              <a:t>identifying Trotro on route and board them</a:t>
             </a:r>
           </a:p>
           <a:p>
@@ -6545,12 +6432,8 @@
               <a:buAutoNum type="alphaLcPeriod"/>
             </a:pPr>
             <a:r>
-              <a:rPr lang="en-US" sz="2800" dirty="0" smtClean="0"/>
-              <a:t>request Trotro </a:t>
-            </a:r>
-            <a:r>
               <a:rPr lang="en-US" sz="2800" dirty="0"/>
-              <a:t>before it reaches its destinations.  </a:t>
+              <a:t>request Trotro before it reaches its destinations.  </a:t>
             </a:r>
           </a:p>
           <a:p>
@@ -6559,18 +6442,9 @@
               <a:buAutoNum type="alphaLcPeriod"/>
             </a:pPr>
             <a:r>
-              <a:rPr lang="en-US" sz="2800" dirty="0" smtClean="0"/>
-              <a:t>use </a:t>
-            </a:r>
-            <a:r>
               <a:rPr lang="en-US" sz="2800" dirty="0"/>
-              <a:t>of a suitable payment mode for the </a:t>
-            </a:r>
-            <a:r>
-              <a:rPr lang="en-US" sz="2800" dirty="0" smtClean="0"/>
-              <a:t>Trotro </a:t>
-            </a:r>
-            <a:endParaRPr lang="en-US" sz="2800" dirty="0"/>
+              <a:t>use of a suitable payment mode for the Trotro </a:t>
+            </a:r>
           </a:p>
           <a:p>
             <a:pPr lvl="1">
@@ -6578,20 +6452,8 @@
               <a:buAutoNum type="alphaLcPeriod"/>
             </a:pPr>
             <a:r>
-              <a:rPr lang="en-US" sz="2800" dirty="0" smtClean="0"/>
-              <a:t>adhere </a:t>
-            </a:r>
-            <a:r>
               <a:rPr lang="en-US" sz="2800" dirty="0"/>
-              <a:t>to the </a:t>
-            </a:r>
-            <a:r>
-              <a:rPr lang="en-US" sz="2800" dirty="0" smtClean="0"/>
-              <a:t>Trotro </a:t>
-            </a:r>
-            <a:r>
-              <a:rPr lang="en-US" sz="2800" dirty="0"/>
-              <a:t>standards set by the DVLA </a:t>
+              <a:t>adhere to the Trotro standards set by the DVLA </a:t>
             </a:r>
           </a:p>
           <a:p>
@@ -6657,7 +6519,7 @@
           <a:p>
             <a:pPr algn="ctr"/>
             <a:r>
-              <a:rPr lang="en-US" sz="5400" b="1" u="sng" dirty="0" smtClean="0"/>
+              <a:rPr lang="en-US" sz="5400" b="1" u="sng" dirty="0"/>
               <a:t>DESIGN AND IMPLEMENTATION </a:t>
             </a:r>
             <a:endParaRPr lang="en-GB" sz="5400" b="1" u="sng" dirty="0"/>
@@ -6795,7 +6657,7 @@
           <a:p>
             <a:pPr algn="ctr"/>
             <a:r>
-              <a:rPr lang="en-US" sz="4400" b="1" i="1" dirty="0" smtClean="0"/>
+              <a:rPr lang="en-US" sz="4400" b="1" i="1" dirty="0"/>
               <a:t>Rich Picture of the proposed system</a:t>
             </a:r>
             <a:endParaRPr lang="en-GB" sz="4400" b="1" i="1" dirty="0"/>
@@ -6856,7 +6718,7 @@
           <a:p>
             <a:pPr algn="ctr"/>
             <a:r>
-              <a:rPr lang="en-US" sz="5400" b="1" dirty="0" smtClean="0"/>
+              <a:rPr lang="en-US" sz="5400" b="1" dirty="0"/>
               <a:t>Use Case Diagram</a:t>
             </a:r>
             <a:endParaRPr lang="en-GB" sz="5400" b="1" dirty="0"/>
@@ -6986,7 +6848,7 @@
           <a:p>
             <a:pPr algn="ctr"/>
             <a:r>
-              <a:rPr lang="en-US" sz="4400" b="1" dirty="0" smtClean="0"/>
+              <a:rPr lang="en-US" sz="4400" b="1" dirty="0"/>
               <a:t>Data Flow Diagram</a:t>
             </a:r>
             <a:endParaRPr lang="en-GB" sz="4400" b="1" dirty="0"/>
@@ -7056,45 +6918,14 @@
           <a:chExt cx="0" cy="0"/>
         </a:xfrm>
       </p:grpSpPr>
-      <p:sp>
-        <p:nvSpPr>
-          <p:cNvPr id="2" name="Title 1"/>
-          <p:cNvSpPr>
-            <a:spLocks noGrp="1"/>
-          </p:cNvSpPr>
-          <p:nvPr>
-            <p:ph type="title"/>
-          </p:nvPr>
-        </p:nvSpPr>
-        <p:spPr>
-          <a:xfrm>
-            <a:off x="870517" y="197476"/>
-            <a:ext cx="8596668" cy="716924"/>
-          </a:xfrm>
-        </p:spPr>
-        <p:txBody>
-          <a:bodyPr>
-            <a:noAutofit/>
-          </a:bodyPr>
-          <a:lstStyle/>
-          <a:p>
-            <a:pPr algn="ctr"/>
-            <a:r>
-              <a:rPr lang="en-US" sz="4400" b="1" dirty="0" smtClean="0"/>
-              <a:t>Screen-prints of Design</a:t>
-            </a:r>
-            <a:endParaRPr lang="en-GB" sz="4400" b="1" dirty="0"/>
-          </a:p>
-        </p:txBody>
-      </p:sp>
       <p:pic>
         <p:nvPicPr>
-          <p:cNvPr id="4" name="Picture 3" descr="C:\Users\Edem Adjei\Desktop\turnitin\tryedem.png"/>
+          <p:cNvPr id="4" name="Picture 3" descr="C:\Users\Edem Adjei\Desktop\turnitin\final3 (1).jpg"/>
           <p:cNvPicPr/>
           <p:nvPr/>
         </p:nvPicPr>
         <p:blipFill>
-          <a:blip r:embed="rId2">
+          <a:blip r:embed="rId2" cstate="print">
             <a:extLst>
               <a:ext uri="{28A0092B-C50C-407E-A947-70E740481C1C}">
                 <a14:useLocalDpi xmlns:a14="http://schemas.microsoft.com/office/drawing/2010/main" val="0"/>
@@ -7108,8 +6939,8 @@
         </p:blipFill>
         <p:spPr bwMode="auto">
           <a:xfrm>
-            <a:off x="1365160" y="1111138"/>
-            <a:ext cx="8718997" cy="5135116"/>
+            <a:off x="6095136" y="154546"/>
+            <a:ext cx="4130689" cy="6490952"/>
           </a:xfrm>
           <a:prstGeom prst="rect">
             <a:avLst/>
@@ -7120,10 +6951,39 @@
           </a:ln>
         </p:spPr>
       </p:pic>
+      <p:pic>
+        <p:nvPicPr>
+          <p:cNvPr id="6" name="Picture 5"/>
+          <p:cNvPicPr>
+            <a:picLocks noChangeAspect="1"/>
+          </p:cNvPicPr>
+          <p:nvPr/>
+        </p:nvPicPr>
+        <p:blipFill rotWithShape="1">
+          <a:blip r:embed="rId3" cstate="print">
+            <a:extLst>
+              <a:ext uri="{28A0092B-C50C-407E-A947-70E740481C1C}">
+                <a14:useLocalDpi xmlns:a14="http://schemas.microsoft.com/office/drawing/2010/main" val="0"/>
+              </a:ext>
+            </a:extLst>
+          </a:blip>
+          <a:srcRect t="4367" b="2300"/>
+          <a:stretch/>
+        </p:blipFill>
+        <p:spPr>
+          <a:xfrm>
+            <a:off x="1120463" y="270456"/>
+            <a:ext cx="3747752" cy="6400800"/>
+          </a:xfrm>
+          <a:prstGeom prst="rect">
+            <a:avLst/>
+          </a:prstGeom>
+        </p:spPr>
+      </p:pic>
     </p:spTree>
     <p:extLst>
       <p:ext uri="{BB962C8B-B14F-4D97-AF65-F5344CB8AC3E}">
-        <p14:creationId xmlns:p14="http://schemas.microsoft.com/office/powerpoint/2010/main" val="1375648346"/>
+        <p14:creationId xmlns:p14="http://schemas.microsoft.com/office/powerpoint/2010/main" val="1216985107"/>
       </p:ext>
     </p:extLst>
   </p:cSld>
